--- a/Week10/W10.04. Returning Data.pptx
+++ b/Week10/W10.04. Returning Data.pptx
@@ -160,6 +160,35 @@
 </p:presentation>
 </file>
 
+<file path=ppt/changesInfos/changesInfo1.xml><?xml version="1.0" encoding="utf-8"?>
+<pc:chgInfo xmlns:a="http://schemas.openxmlformats.org/drawingml/2006/main" xmlns:r="http://schemas.openxmlformats.org/officeDocument/2006/relationships" xmlns:ac="http://schemas.microsoft.com/office/drawing/2013/main/command" xmlns:pc="http://schemas.microsoft.com/office/powerpoint/2013/main/command">
+  <pc:docChgLst>
+    <pc:chgData name="Chuck Kiefriter" userId="a996b49251c4dfd2" providerId="LiveId" clId="{DFCB2A37-D863-4EBF-A059-95E2CCBF33B7}"/>
+    <pc:docChg chg="modSld">
+      <pc:chgData name="Chuck Kiefriter" userId="a996b49251c4dfd2" providerId="LiveId" clId="{DFCB2A37-D863-4EBF-A059-95E2CCBF33B7}" dt="2024-02-21T00:45:13.326" v="0" actId="14100"/>
+      <pc:docMkLst>
+        <pc:docMk/>
+      </pc:docMkLst>
+      <pc:sldChg chg="modSp mod">
+        <pc:chgData name="Chuck Kiefriter" userId="a996b49251c4dfd2" providerId="LiveId" clId="{DFCB2A37-D863-4EBF-A059-95E2CCBF33B7}" dt="2024-02-21T00:45:13.326" v="0" actId="14100"/>
+        <pc:sldMkLst>
+          <pc:docMk/>
+          <pc:sldMk cId="2260863610" sldId="273"/>
+        </pc:sldMkLst>
+        <pc:spChg chg="mod">
+          <ac:chgData name="Chuck Kiefriter" userId="a996b49251c4dfd2" providerId="LiveId" clId="{DFCB2A37-D863-4EBF-A059-95E2CCBF33B7}" dt="2024-02-21T00:45:13.326" v="0" actId="14100"/>
+          <ac:spMkLst>
+            <pc:docMk/>
+            <pc:sldMk cId="2260863610" sldId="273"/>
+            <ac:spMk id="3" creationId="{A776CA5D-C853-44E8-A949-595CAEE4F9CC}"/>
+          </ac:spMkLst>
+        </pc:spChg>
+      </pc:sldChg>
+    </pc:docChg>
+  </pc:docChgLst>
+</pc:chgInfo>
+</file>
+
 <file path=ppt/notesMasters/notesMaster1.xml><?xml version="1.0" encoding="utf-8"?>
 <p:notesMaster xmlns:a="http://schemas.openxmlformats.org/drawingml/2006/main" xmlns:r="http://schemas.openxmlformats.org/officeDocument/2006/relationships" xmlns:p="http://schemas.openxmlformats.org/presentationml/2006/main">
   <p:cSld>
@@ -242,7 +271,7 @@
           <a:p>
             <a:fld id="{BF1BC3E4-C956-40CB-AFCD-8F927AFF366E}" type="datetimeFigureOut">
               <a:rPr lang="en-US" smtClean="0"/>
-              <a:t>1/11/2022</a:t>
+              <a:t>2/20/2024</a:t>
             </a:fld>
             <a:endParaRPr lang="en-US"/>
           </a:p>
@@ -753,7 +782,7 @@
           <a:p>
             <a:fld id="{548C5E67-172B-4F6A-B3B9-DEF72F952E5B}" type="datetimeFigureOut">
               <a:rPr lang="en-US" smtClean="0"/>
-              <a:t>1/11/2022</a:t>
+              <a:t>2/20/2024</a:t>
             </a:fld>
             <a:endParaRPr lang="en-US"/>
           </a:p>
@@ -957,7 +986,7 @@
           <a:p>
             <a:fld id="{548C5E67-172B-4F6A-B3B9-DEF72F952E5B}" type="datetimeFigureOut">
               <a:rPr lang="en-US" smtClean="0"/>
-              <a:t>1/11/2022</a:t>
+              <a:t>2/20/2024</a:t>
             </a:fld>
             <a:endParaRPr lang="en-US"/>
           </a:p>
@@ -1151,7 +1180,7 @@
           <a:p>
             <a:fld id="{548C5E67-172B-4F6A-B3B9-DEF72F952E5B}" type="datetimeFigureOut">
               <a:rPr lang="en-US" smtClean="0"/>
-              <a:t>1/11/2022</a:t>
+              <a:t>2/20/2024</a:t>
             </a:fld>
             <a:endParaRPr lang="en-US"/>
           </a:p>
@@ -2196,7 +2225,7 @@
           <a:p>
             <a:fld id="{548C5E67-172B-4F6A-B3B9-DEF72F952E5B}" type="datetimeFigureOut">
               <a:rPr lang="en-US" smtClean="0"/>
-              <a:t>1/11/2022</a:t>
+              <a:t>2/20/2024</a:t>
             </a:fld>
             <a:endParaRPr lang="en-US"/>
           </a:p>
@@ -2477,7 +2506,7 @@
           <a:p>
             <a:fld id="{548C5E67-172B-4F6A-B3B9-DEF72F952E5B}" type="datetimeFigureOut">
               <a:rPr lang="en-US" smtClean="0"/>
-              <a:t>1/11/2022</a:t>
+              <a:t>2/20/2024</a:t>
             </a:fld>
             <a:endParaRPr lang="en-US"/>
           </a:p>
@@ -8089,7 +8118,7 @@
         <p:spPr>
           <a:xfrm>
             <a:off x="838200" y="1825625"/>
-            <a:ext cx="5549900" cy="4351338"/>
+            <a:ext cx="10515600" cy="4351338"/>
           </a:xfrm>
         </p:spPr>
         <p:txBody>

--- a/Week10/W10.04. Returning Data.pptx
+++ b/Week10/W10.04. Returning Data.pptx
@@ -165,10 +165,100 @@
   <pc:docChgLst>
     <pc:chgData name="Chuck Kiefriter" userId="a996b49251c4dfd2" providerId="LiveId" clId="{DFCB2A37-D863-4EBF-A059-95E2CCBF33B7}"/>
     <pc:docChg chg="modSld">
-      <pc:chgData name="Chuck Kiefriter" userId="a996b49251c4dfd2" providerId="LiveId" clId="{DFCB2A37-D863-4EBF-A059-95E2CCBF33B7}" dt="2024-02-21T00:45:13.326" v="0" actId="14100"/>
+      <pc:chgData name="Chuck Kiefriter" userId="a996b49251c4dfd2" providerId="LiveId" clId="{DFCB2A37-D863-4EBF-A059-95E2CCBF33B7}" dt="2024-04-10T22:55:23.455" v="8" actId="14100"/>
       <pc:docMkLst>
         <pc:docMk/>
       </pc:docMkLst>
+      <pc:sldChg chg="modSp mod">
+        <pc:chgData name="Chuck Kiefriter" userId="a996b49251c4dfd2" providerId="LiveId" clId="{DFCB2A37-D863-4EBF-A059-95E2CCBF33B7}" dt="2024-04-10T22:46:59.183" v="1" actId="14100"/>
+        <pc:sldMkLst>
+          <pc:docMk/>
+          <pc:sldMk cId="592160494" sldId="257"/>
+        </pc:sldMkLst>
+        <pc:spChg chg="mod">
+          <ac:chgData name="Chuck Kiefriter" userId="a996b49251c4dfd2" providerId="LiveId" clId="{DFCB2A37-D863-4EBF-A059-95E2CCBF33B7}" dt="2024-04-10T22:46:59.183" v="1" actId="14100"/>
+          <ac:spMkLst>
+            <pc:docMk/>
+            <pc:sldMk cId="592160494" sldId="257"/>
+            <ac:spMk id="3" creationId="{BE655343-4535-484E-80D0-29DE4C0FE545}"/>
+          </ac:spMkLst>
+        </pc:spChg>
+      </pc:sldChg>
+      <pc:sldChg chg="modSp mod">
+        <pc:chgData name="Chuck Kiefriter" userId="a996b49251c4dfd2" providerId="LiveId" clId="{DFCB2A37-D863-4EBF-A059-95E2CCBF33B7}" dt="2024-04-10T22:53:53.826" v="6" actId="14100"/>
+        <pc:sldMkLst>
+          <pc:docMk/>
+          <pc:sldMk cId="2833542518" sldId="258"/>
+        </pc:sldMkLst>
+        <pc:spChg chg="mod">
+          <ac:chgData name="Chuck Kiefriter" userId="a996b49251c4dfd2" providerId="LiveId" clId="{DFCB2A37-D863-4EBF-A059-95E2CCBF33B7}" dt="2024-04-10T22:53:53.826" v="6" actId="14100"/>
+          <ac:spMkLst>
+            <pc:docMk/>
+            <pc:sldMk cId="2833542518" sldId="258"/>
+            <ac:spMk id="3" creationId="{A6A883D7-2D50-4372-93E2-2D595447CBE0}"/>
+          </ac:spMkLst>
+        </pc:spChg>
+      </pc:sldChg>
+      <pc:sldChg chg="modSp mod">
+        <pc:chgData name="Chuck Kiefriter" userId="a996b49251c4dfd2" providerId="LiveId" clId="{DFCB2A37-D863-4EBF-A059-95E2CCBF33B7}" dt="2024-04-10T22:52:25.476" v="5" actId="1036"/>
+        <pc:sldMkLst>
+          <pc:docMk/>
+          <pc:sldMk cId="2039089494" sldId="261"/>
+        </pc:sldMkLst>
+        <pc:spChg chg="mod">
+          <ac:chgData name="Chuck Kiefriter" userId="a996b49251c4dfd2" providerId="LiveId" clId="{DFCB2A37-D863-4EBF-A059-95E2CCBF33B7}" dt="2024-04-10T22:52:25.476" v="5" actId="1036"/>
+          <ac:spMkLst>
+            <pc:docMk/>
+            <pc:sldMk cId="2039089494" sldId="261"/>
+            <ac:spMk id="3" creationId="{81D45660-1C5E-4A35-863F-4AD181EBA9F8}"/>
+          </ac:spMkLst>
+        </pc:spChg>
+      </pc:sldChg>
+      <pc:sldChg chg="modSp mod">
+        <pc:chgData name="Chuck Kiefriter" userId="a996b49251c4dfd2" providerId="LiveId" clId="{DFCB2A37-D863-4EBF-A059-95E2CCBF33B7}" dt="2024-04-10T22:55:23.455" v="8" actId="14100"/>
+        <pc:sldMkLst>
+          <pc:docMk/>
+          <pc:sldMk cId="2666722311" sldId="263"/>
+        </pc:sldMkLst>
+        <pc:spChg chg="mod">
+          <ac:chgData name="Chuck Kiefriter" userId="a996b49251c4dfd2" providerId="LiveId" clId="{DFCB2A37-D863-4EBF-A059-95E2CCBF33B7}" dt="2024-04-10T22:55:23.455" v="8" actId="14100"/>
+          <ac:spMkLst>
+            <pc:docMk/>
+            <pc:sldMk cId="2666722311" sldId="263"/>
+            <ac:spMk id="5" creationId="{017F85F8-7154-4A91-8BE7-2C2052996082}"/>
+          </ac:spMkLst>
+        </pc:spChg>
+      </pc:sldChg>
+      <pc:sldChg chg="modSp mod">
+        <pc:chgData name="Chuck Kiefriter" userId="a996b49251c4dfd2" providerId="LiveId" clId="{DFCB2A37-D863-4EBF-A059-95E2CCBF33B7}" dt="2024-04-10T22:54:54.140" v="7" actId="14100"/>
+        <pc:sldMkLst>
+          <pc:docMk/>
+          <pc:sldMk cId="780300224" sldId="267"/>
+        </pc:sldMkLst>
+        <pc:spChg chg="mod">
+          <ac:chgData name="Chuck Kiefriter" userId="a996b49251c4dfd2" providerId="LiveId" clId="{DFCB2A37-D863-4EBF-A059-95E2CCBF33B7}" dt="2024-04-10T22:54:54.140" v="7" actId="14100"/>
+          <ac:spMkLst>
+            <pc:docMk/>
+            <pc:sldMk cId="780300224" sldId="267"/>
+            <ac:spMk id="3" creationId="{F7F9978C-17FB-4336-9BD9-56E83477197D}"/>
+          </ac:spMkLst>
+        </pc:spChg>
+      </pc:sldChg>
+      <pc:sldChg chg="modSp mod">
+        <pc:chgData name="Chuck Kiefriter" userId="a996b49251c4dfd2" providerId="LiveId" clId="{DFCB2A37-D863-4EBF-A059-95E2CCBF33B7}" dt="2024-04-10T22:48:14.426" v="2" actId="14100"/>
+        <pc:sldMkLst>
+          <pc:docMk/>
+          <pc:sldMk cId="1721235053" sldId="272"/>
+        </pc:sldMkLst>
+        <pc:spChg chg="mod">
+          <ac:chgData name="Chuck Kiefriter" userId="a996b49251c4dfd2" providerId="LiveId" clId="{DFCB2A37-D863-4EBF-A059-95E2CCBF33B7}" dt="2024-04-10T22:48:14.426" v="2" actId="14100"/>
+          <ac:spMkLst>
+            <pc:docMk/>
+            <pc:sldMk cId="1721235053" sldId="272"/>
+            <ac:spMk id="3" creationId="{DB066C52-3B97-4264-B38D-DD5514236124}"/>
+          </ac:spMkLst>
+        </pc:spChg>
+      </pc:sldChg>
       <pc:sldChg chg="modSp mod">
         <pc:chgData name="Chuck Kiefriter" userId="a996b49251c4dfd2" providerId="LiveId" clId="{DFCB2A37-D863-4EBF-A059-95E2CCBF33B7}" dt="2024-02-21T00:45:13.326" v="0" actId="14100"/>
         <pc:sldMkLst>
@@ -271,7 +361,7 @@
           <a:p>
             <a:fld id="{BF1BC3E4-C956-40CB-AFCD-8F927AFF366E}" type="datetimeFigureOut">
               <a:rPr lang="en-US" smtClean="0"/>
-              <a:t>2/20/2024</a:t>
+              <a:t>4/10/2024</a:t>
             </a:fld>
             <a:endParaRPr lang="en-US"/>
           </a:p>
@@ -782,7 +872,7 @@
           <a:p>
             <a:fld id="{548C5E67-172B-4F6A-B3B9-DEF72F952E5B}" type="datetimeFigureOut">
               <a:rPr lang="en-US" smtClean="0"/>
-              <a:t>2/20/2024</a:t>
+              <a:t>4/10/2024</a:t>
             </a:fld>
             <a:endParaRPr lang="en-US"/>
           </a:p>
@@ -986,7 +1076,7 @@
           <a:p>
             <a:fld id="{548C5E67-172B-4F6A-B3B9-DEF72F952E5B}" type="datetimeFigureOut">
               <a:rPr lang="en-US" smtClean="0"/>
-              <a:t>2/20/2024</a:t>
+              <a:t>4/10/2024</a:t>
             </a:fld>
             <a:endParaRPr lang="en-US"/>
           </a:p>
@@ -1180,7 +1270,7 @@
           <a:p>
             <a:fld id="{548C5E67-172B-4F6A-B3B9-DEF72F952E5B}" type="datetimeFigureOut">
               <a:rPr lang="en-US" smtClean="0"/>
-              <a:t>2/20/2024</a:t>
+              <a:t>4/10/2024</a:t>
             </a:fld>
             <a:endParaRPr lang="en-US"/>
           </a:p>
@@ -2225,7 +2315,7 @@
           <a:p>
             <a:fld id="{548C5E67-172B-4F6A-B3B9-DEF72F952E5B}" type="datetimeFigureOut">
               <a:rPr lang="en-US" smtClean="0"/>
-              <a:t>2/20/2024</a:t>
+              <a:t>4/10/2024</a:t>
             </a:fld>
             <a:endParaRPr lang="en-US"/>
           </a:p>
@@ -2506,7 +2596,7 @@
           <a:p>
             <a:fld id="{548C5E67-172B-4F6A-B3B9-DEF72F952E5B}" type="datetimeFigureOut">
               <a:rPr lang="en-US" smtClean="0"/>
-              <a:t>2/20/2024</a:t>
+              <a:t>4/10/2024</a:t>
             </a:fld>
             <a:endParaRPr lang="en-US"/>
           </a:p>
@@ -3155,7 +3245,12 @@
             <p:ph idx="1"/>
           </p:nvPr>
         </p:nvSpPr>
-        <p:spPr/>
+        <p:spPr>
+          <a:xfrm>
+            <a:off x="838200" y="1825625"/>
+            <a:ext cx="11213592" cy="4351338"/>
+          </a:xfrm>
+        </p:spPr>
         <p:txBody>
           <a:bodyPr/>
           <a:lstStyle/>
@@ -3324,7 +3419,7 @@
         <p:spPr>
           <a:xfrm>
             <a:off x="838200" y="1825625"/>
-            <a:ext cx="6041571" cy="4351338"/>
+            <a:ext cx="10034016" cy="4351338"/>
           </a:xfrm>
         </p:spPr>
         <p:txBody>
@@ -3622,7 +3717,7 @@
         <p:spPr>
           <a:xfrm>
             <a:off x="711200" y="3813967"/>
-            <a:ext cx="5537200" cy="2678907"/>
+            <a:ext cx="11633200" cy="2678907"/>
           </a:xfrm>
           <a:prstGeom prst="rect">
             <a:avLst/>
@@ -7894,7 +7989,7 @@
         <p:spPr>
           <a:xfrm>
             <a:off x="838200" y="1825625"/>
-            <a:ext cx="6019800" cy="4351338"/>
+            <a:ext cx="10875264" cy="4351338"/>
           </a:xfrm>
         </p:spPr>
         <p:txBody>
@@ -8953,7 +9048,7 @@
         <p:spPr>
           <a:xfrm>
             <a:off x="838200" y="1825625"/>
-            <a:ext cx="6413500" cy="4351338"/>
+            <a:ext cx="11460480" cy="4351338"/>
           </a:xfrm>
         </p:spPr>
         <p:txBody>
@@ -9610,8 +9705,8 @@
         </p:nvSpPr>
         <p:spPr>
           <a:xfrm>
-            <a:off x="838200" y="1825624"/>
-            <a:ext cx="6261100" cy="4473575"/>
+            <a:off x="838200" y="1834768"/>
+            <a:ext cx="11122152" cy="4473575"/>
           </a:xfrm>
         </p:spPr>
         <p:txBody>

--- a/Week10/W10.04. Returning Data.pptx
+++ b/Week10/W10.04. Returning Data.pptx
@@ -163,6 +163,30 @@
 <file path=ppt/changesInfos/changesInfo1.xml><?xml version="1.0" encoding="utf-8"?>
 <pc:chgInfo xmlns:a="http://schemas.openxmlformats.org/drawingml/2006/main" xmlns:r="http://schemas.openxmlformats.org/officeDocument/2006/relationships" xmlns:ac="http://schemas.microsoft.com/office/drawing/2013/main/command" xmlns:pc="http://schemas.microsoft.com/office/powerpoint/2013/main/command">
   <pc:docChgLst>
+    <pc:chgData name="Chuck Kiefriter" userId="a996b49251c4dfd2" providerId="LiveId" clId="{64C26573-325B-488E-8190-F6A7C67EDB6F}"/>
+    <pc:docChg chg="modSld">
+      <pc:chgData name="Chuck Kiefriter" userId="a996b49251c4dfd2" providerId="LiveId" clId="{64C26573-325B-488E-8190-F6A7C67EDB6F}" dt="2025-08-05T23:39:54.075" v="10" actId="20577"/>
+      <pc:docMkLst>
+        <pc:docMk/>
+      </pc:docMkLst>
+      <pc:sldChg chg="modSp mod">
+        <pc:chgData name="Chuck Kiefriter" userId="a996b49251c4dfd2" providerId="LiveId" clId="{64C26573-325B-488E-8190-F6A7C67EDB6F}" dt="2025-08-05T23:39:54.075" v="10" actId="20577"/>
+        <pc:sldMkLst>
+          <pc:docMk/>
+          <pc:sldMk cId="592160494" sldId="257"/>
+        </pc:sldMkLst>
+        <pc:spChg chg="mod">
+          <ac:chgData name="Chuck Kiefriter" userId="a996b49251c4dfd2" providerId="LiveId" clId="{64C26573-325B-488E-8190-F6A7C67EDB6F}" dt="2025-08-05T23:39:54.075" v="10" actId="20577"/>
+          <ac:spMkLst>
+            <pc:docMk/>
+            <pc:sldMk cId="592160494" sldId="257"/>
+            <ac:spMk id="3" creationId="{BE655343-4535-484E-80D0-29DE4C0FE545}"/>
+          </ac:spMkLst>
+        </pc:spChg>
+      </pc:sldChg>
+    </pc:docChg>
+  </pc:docChgLst>
+  <pc:docChgLst>
     <pc:chgData name="Chuck Kiefriter" userId="a996b49251c4dfd2" providerId="LiveId" clId="{DFCB2A37-D863-4EBF-A059-95E2CCBF33B7}"/>
     <pc:docChg chg="modSld">
       <pc:chgData name="Chuck Kiefriter" userId="a996b49251c4dfd2" providerId="LiveId" clId="{DFCB2A37-D863-4EBF-A059-95E2CCBF33B7}" dt="2024-04-10T22:55:23.455" v="8" actId="14100"/>
@@ -175,14 +199,6 @@
           <pc:docMk/>
           <pc:sldMk cId="592160494" sldId="257"/>
         </pc:sldMkLst>
-        <pc:spChg chg="mod">
-          <ac:chgData name="Chuck Kiefriter" userId="a996b49251c4dfd2" providerId="LiveId" clId="{DFCB2A37-D863-4EBF-A059-95E2CCBF33B7}" dt="2024-04-10T22:46:59.183" v="1" actId="14100"/>
-          <ac:spMkLst>
-            <pc:docMk/>
-            <pc:sldMk cId="592160494" sldId="257"/>
-            <ac:spMk id="3" creationId="{BE655343-4535-484E-80D0-29DE4C0FE545}"/>
-          </ac:spMkLst>
-        </pc:spChg>
       </pc:sldChg>
       <pc:sldChg chg="modSp mod">
         <pc:chgData name="Chuck Kiefriter" userId="a996b49251c4dfd2" providerId="LiveId" clId="{DFCB2A37-D863-4EBF-A059-95E2CCBF33B7}" dt="2024-04-10T22:53:53.826" v="6" actId="14100"/>
@@ -190,14 +206,6 @@
           <pc:docMk/>
           <pc:sldMk cId="2833542518" sldId="258"/>
         </pc:sldMkLst>
-        <pc:spChg chg="mod">
-          <ac:chgData name="Chuck Kiefriter" userId="a996b49251c4dfd2" providerId="LiveId" clId="{DFCB2A37-D863-4EBF-A059-95E2CCBF33B7}" dt="2024-04-10T22:53:53.826" v="6" actId="14100"/>
-          <ac:spMkLst>
-            <pc:docMk/>
-            <pc:sldMk cId="2833542518" sldId="258"/>
-            <ac:spMk id="3" creationId="{A6A883D7-2D50-4372-93E2-2D595447CBE0}"/>
-          </ac:spMkLst>
-        </pc:spChg>
       </pc:sldChg>
       <pc:sldChg chg="modSp mod">
         <pc:chgData name="Chuck Kiefriter" userId="a996b49251c4dfd2" providerId="LiveId" clId="{DFCB2A37-D863-4EBF-A059-95E2CCBF33B7}" dt="2024-04-10T22:52:25.476" v="5" actId="1036"/>
@@ -205,14 +213,6 @@
           <pc:docMk/>
           <pc:sldMk cId="2039089494" sldId="261"/>
         </pc:sldMkLst>
-        <pc:spChg chg="mod">
-          <ac:chgData name="Chuck Kiefriter" userId="a996b49251c4dfd2" providerId="LiveId" clId="{DFCB2A37-D863-4EBF-A059-95E2CCBF33B7}" dt="2024-04-10T22:52:25.476" v="5" actId="1036"/>
-          <ac:spMkLst>
-            <pc:docMk/>
-            <pc:sldMk cId="2039089494" sldId="261"/>
-            <ac:spMk id="3" creationId="{81D45660-1C5E-4A35-863F-4AD181EBA9F8}"/>
-          </ac:spMkLst>
-        </pc:spChg>
       </pc:sldChg>
       <pc:sldChg chg="modSp mod">
         <pc:chgData name="Chuck Kiefriter" userId="a996b49251c4dfd2" providerId="LiveId" clId="{DFCB2A37-D863-4EBF-A059-95E2CCBF33B7}" dt="2024-04-10T22:55:23.455" v="8" actId="14100"/>
@@ -220,14 +220,6 @@
           <pc:docMk/>
           <pc:sldMk cId="2666722311" sldId="263"/>
         </pc:sldMkLst>
-        <pc:spChg chg="mod">
-          <ac:chgData name="Chuck Kiefriter" userId="a996b49251c4dfd2" providerId="LiveId" clId="{DFCB2A37-D863-4EBF-A059-95E2CCBF33B7}" dt="2024-04-10T22:55:23.455" v="8" actId="14100"/>
-          <ac:spMkLst>
-            <pc:docMk/>
-            <pc:sldMk cId="2666722311" sldId="263"/>
-            <ac:spMk id="5" creationId="{017F85F8-7154-4A91-8BE7-2C2052996082}"/>
-          </ac:spMkLst>
-        </pc:spChg>
       </pc:sldChg>
       <pc:sldChg chg="modSp mod">
         <pc:chgData name="Chuck Kiefriter" userId="a996b49251c4dfd2" providerId="LiveId" clId="{DFCB2A37-D863-4EBF-A059-95E2CCBF33B7}" dt="2024-04-10T22:54:54.140" v="7" actId="14100"/>
@@ -235,14 +227,6 @@
           <pc:docMk/>
           <pc:sldMk cId="780300224" sldId="267"/>
         </pc:sldMkLst>
-        <pc:spChg chg="mod">
-          <ac:chgData name="Chuck Kiefriter" userId="a996b49251c4dfd2" providerId="LiveId" clId="{DFCB2A37-D863-4EBF-A059-95E2CCBF33B7}" dt="2024-04-10T22:54:54.140" v="7" actId="14100"/>
-          <ac:spMkLst>
-            <pc:docMk/>
-            <pc:sldMk cId="780300224" sldId="267"/>
-            <ac:spMk id="3" creationId="{F7F9978C-17FB-4336-9BD9-56E83477197D}"/>
-          </ac:spMkLst>
-        </pc:spChg>
       </pc:sldChg>
       <pc:sldChg chg="modSp mod">
         <pc:chgData name="Chuck Kiefriter" userId="a996b49251c4dfd2" providerId="LiveId" clId="{DFCB2A37-D863-4EBF-A059-95E2CCBF33B7}" dt="2024-04-10T22:48:14.426" v="2" actId="14100"/>
@@ -250,14 +234,6 @@
           <pc:docMk/>
           <pc:sldMk cId="1721235053" sldId="272"/>
         </pc:sldMkLst>
-        <pc:spChg chg="mod">
-          <ac:chgData name="Chuck Kiefriter" userId="a996b49251c4dfd2" providerId="LiveId" clId="{DFCB2A37-D863-4EBF-A059-95E2CCBF33B7}" dt="2024-04-10T22:48:14.426" v="2" actId="14100"/>
-          <ac:spMkLst>
-            <pc:docMk/>
-            <pc:sldMk cId="1721235053" sldId="272"/>
-            <ac:spMk id="3" creationId="{DB066C52-3B97-4264-B38D-DD5514236124}"/>
-          </ac:spMkLst>
-        </pc:spChg>
       </pc:sldChg>
       <pc:sldChg chg="modSp mod">
         <pc:chgData name="Chuck Kiefriter" userId="a996b49251c4dfd2" providerId="LiveId" clId="{DFCB2A37-D863-4EBF-A059-95E2CCBF33B7}" dt="2024-02-21T00:45:13.326" v="0" actId="14100"/>
@@ -265,14 +241,6 @@
           <pc:docMk/>
           <pc:sldMk cId="2260863610" sldId="273"/>
         </pc:sldMkLst>
-        <pc:spChg chg="mod">
-          <ac:chgData name="Chuck Kiefriter" userId="a996b49251c4dfd2" providerId="LiveId" clId="{DFCB2A37-D863-4EBF-A059-95E2CCBF33B7}" dt="2024-02-21T00:45:13.326" v="0" actId="14100"/>
-          <ac:spMkLst>
-            <pc:docMk/>
-            <pc:sldMk cId="2260863610" sldId="273"/>
-            <ac:spMk id="3" creationId="{A776CA5D-C853-44E8-A949-595CAEE4F9CC}"/>
-          </ac:spMkLst>
-        </pc:spChg>
       </pc:sldChg>
     </pc:docChg>
   </pc:docChgLst>
@@ -361,7 +329,7 @@
           <a:p>
             <a:fld id="{BF1BC3E4-C956-40CB-AFCD-8F927AFF366E}" type="datetimeFigureOut">
               <a:rPr lang="en-US" smtClean="0"/>
-              <a:t>4/10/2024</a:t>
+              <a:t>8/5/2025</a:t>
             </a:fld>
             <a:endParaRPr lang="en-US"/>
           </a:p>
@@ -872,7 +840,7 @@
           <a:p>
             <a:fld id="{548C5E67-172B-4F6A-B3B9-DEF72F952E5B}" type="datetimeFigureOut">
               <a:rPr lang="en-US" smtClean="0"/>
-              <a:t>4/10/2024</a:t>
+              <a:t>8/5/2025</a:t>
             </a:fld>
             <a:endParaRPr lang="en-US"/>
           </a:p>
@@ -1076,7 +1044,7 @@
           <a:p>
             <a:fld id="{548C5E67-172B-4F6A-B3B9-DEF72F952E5B}" type="datetimeFigureOut">
               <a:rPr lang="en-US" smtClean="0"/>
-              <a:t>4/10/2024</a:t>
+              <a:t>8/5/2025</a:t>
             </a:fld>
             <a:endParaRPr lang="en-US"/>
           </a:p>
@@ -1270,7 +1238,7 @@
           <a:p>
             <a:fld id="{548C5E67-172B-4F6A-B3B9-DEF72F952E5B}" type="datetimeFigureOut">
               <a:rPr lang="en-US" smtClean="0"/>
-              <a:t>4/10/2024</a:t>
+              <a:t>8/5/2025</a:t>
             </a:fld>
             <a:endParaRPr lang="en-US"/>
           </a:p>
@@ -2315,7 +2283,7 @@
           <a:p>
             <a:fld id="{548C5E67-172B-4F6A-B3B9-DEF72F952E5B}" type="datetimeFigureOut">
               <a:rPr lang="en-US" smtClean="0"/>
-              <a:t>4/10/2024</a:t>
+              <a:t>8/5/2025</a:t>
             </a:fld>
             <a:endParaRPr lang="en-US"/>
           </a:p>
@@ -2596,7 +2564,7 @@
           <a:p>
             <a:fld id="{548C5E67-172B-4F6A-B3B9-DEF72F952E5B}" type="datetimeFigureOut">
               <a:rPr lang="en-US" smtClean="0"/>
-              <a:t>4/10/2024</a:t>
+              <a:t>8/5/2025</a:t>
             </a:fld>
             <a:endParaRPr lang="en-US"/>
           </a:p>
@@ -8068,7 +8036,15 @@
             </a:pPr>
             <a:r>
               <a:rPr lang="en-US" dirty="0"/>
-              <a:t>Data is put into DAO classes that </a:t>
+              <a:t>Data is put </a:t>
+            </a:r>
+            <a:r>
+              <a:rPr lang="en-US"/>
+              <a:t>into Entity </a:t>
+            </a:r>
+            <a:r>
+              <a:rPr lang="en-US" dirty="0"/>
+              <a:t>classes that </a:t>
             </a:r>
             <a:r>
               <a:rPr lang="en-US" dirty="0">
